--- a/What Are People Saying about Lawyers on Yelp.pptx
+++ b/What Are People Saying about Lawyers on Yelp.pptx
@@ -117,6 +117,11 @@
       </a:defRPr>
     </a:lvl9pPr>
   </p:defaultTextStyle>
+  <p:extLst>
+    <p:ext uri="{EFAFB233-063F-42B5-8137-9DF3F51BA10A}">
+      <p15:sldGuideLst xmlns:p15="http://schemas.microsoft.com/office/powerpoint/2012/main"/>
+    </p:ext>
+  </p:extLst>
 </p:presentation>
 </file>
 
@@ -288,7 +293,7 @@
           <a:p>
             <a:fld id="{8A7232EC-58B1-4733-9A5B-DD68E9627A1D}" type="datetimeFigureOut">
               <a:rPr lang="en-US" smtClean="0"/>
-              <a:t>10/8/2018</a:t>
+              <a:t>10/10/2018</a:t>
             </a:fld>
             <a:endParaRPr lang="en-US"/>
           </a:p>
@@ -521,7 +526,7 @@
           <a:p>
             <a:fld id="{8A7232EC-58B1-4733-9A5B-DD68E9627A1D}" type="datetimeFigureOut">
               <a:rPr lang="en-US" smtClean="0"/>
-              <a:t>10/8/2018</a:t>
+              <a:t>10/10/2018</a:t>
             </a:fld>
             <a:endParaRPr lang="en-US"/>
           </a:p>
@@ -701,7 +706,7 @@
           <a:p>
             <a:fld id="{8A7232EC-58B1-4733-9A5B-DD68E9627A1D}" type="datetimeFigureOut">
               <a:rPr lang="en-US" smtClean="0"/>
-              <a:t>10/8/2018</a:t>
+              <a:t>10/10/2018</a:t>
             </a:fld>
             <a:endParaRPr lang="en-US"/>
           </a:p>
@@ -876,7 +881,7 @@
           <a:p>
             <a:fld id="{8A7232EC-58B1-4733-9A5B-DD68E9627A1D}" type="datetimeFigureOut">
               <a:rPr lang="en-US" smtClean="0"/>
-              <a:t>10/8/2018</a:t>
+              <a:t>10/10/2018</a:t>
             </a:fld>
             <a:endParaRPr lang="en-US"/>
           </a:p>
@@ -1130,7 +1135,7 @@
           <a:p>
             <a:fld id="{8A7232EC-58B1-4733-9A5B-DD68E9627A1D}" type="datetimeFigureOut">
               <a:rPr lang="en-US" smtClean="0"/>
-              <a:t>10/8/2018</a:t>
+              <a:t>10/10/2018</a:t>
             </a:fld>
             <a:endParaRPr lang="en-US"/>
           </a:p>
@@ -1461,7 +1466,7 @@
           <a:p>
             <a:fld id="{8A7232EC-58B1-4733-9A5B-DD68E9627A1D}" type="datetimeFigureOut">
               <a:rPr lang="en-US" smtClean="0"/>
-              <a:t>10/8/2018</a:t>
+              <a:t>10/10/2018</a:t>
             </a:fld>
             <a:endParaRPr lang="en-US"/>
           </a:p>
@@ -1912,7 +1917,7 @@
           <a:p>
             <a:fld id="{8A7232EC-58B1-4733-9A5B-DD68E9627A1D}" type="datetimeFigureOut">
               <a:rPr lang="en-US" smtClean="0"/>
-              <a:t>10/8/2018</a:t>
+              <a:t>10/10/2018</a:t>
             </a:fld>
             <a:endParaRPr lang="en-US"/>
           </a:p>
@@ -2030,7 +2035,7 @@
           <a:p>
             <a:fld id="{8A7232EC-58B1-4733-9A5B-DD68E9627A1D}" type="datetimeFigureOut">
               <a:rPr lang="en-US" smtClean="0"/>
-              <a:t>10/8/2018</a:t>
+              <a:t>10/10/2018</a:t>
             </a:fld>
             <a:endParaRPr lang="en-US"/>
           </a:p>
@@ -2125,7 +2130,7 @@
           <a:p>
             <a:fld id="{8A7232EC-58B1-4733-9A5B-DD68E9627A1D}" type="datetimeFigureOut">
               <a:rPr lang="en-US" smtClean="0"/>
-              <a:t>10/8/2018</a:t>
+              <a:t>10/10/2018</a:t>
             </a:fld>
             <a:endParaRPr lang="en-US"/>
           </a:p>
@@ -2412,7 +2417,7 @@
           <a:p>
             <a:fld id="{8A7232EC-58B1-4733-9A5B-DD68E9627A1D}" type="datetimeFigureOut">
               <a:rPr lang="en-US" smtClean="0"/>
-              <a:t>10/8/2018</a:t>
+              <a:t>10/10/2018</a:t>
             </a:fld>
             <a:endParaRPr lang="en-US"/>
           </a:p>
@@ -2734,7 +2739,7 @@
           <a:p>
             <a:fld id="{8A7232EC-58B1-4733-9A5B-DD68E9627A1D}" type="datetimeFigureOut">
               <a:rPr lang="en-US" smtClean="0"/>
-              <a:t>10/8/2018</a:t>
+              <a:t>10/10/2018</a:t>
             </a:fld>
             <a:endParaRPr lang="en-US"/>
           </a:p>
@@ -2988,7 +2993,7 @@
           <a:p>
             <a:fld id="{8A7232EC-58B1-4733-9A5B-DD68E9627A1D}" type="datetimeFigureOut">
               <a:rPr lang="en-US" smtClean="0"/>
-              <a:t>10/8/2018</a:t>
+              <a:t>10/10/2018</a:t>
             </a:fld>
             <a:endParaRPr lang="en-US"/>
           </a:p>
@@ -3685,8 +3690,8 @@
         </p:nvSpPr>
         <p:spPr>
           <a:xfrm>
-            <a:off x="174171" y="109105"/>
-            <a:ext cx="11321143" cy="1690688"/>
+            <a:off x="195942" y="298113"/>
+            <a:ext cx="11321143" cy="1168422"/>
           </a:xfrm>
         </p:spPr>
         <p:txBody>
@@ -3698,7 +3703,7 @@
             <a:pPr lvl="1"/>
             <a:r>
               <a:rPr lang="en-US" sz="3200" dirty="0"/>
-              <a:t>Question 3: How does the rating of a type of lawyer compare to the sentiment of the text of the reviews for that type of lawyer?</a:t>
+              <a:t>Question 3: Is the Yelp star rating and the compound sentiment of a Yelp review linear for each type of lawyer?</a:t>
             </a:r>
           </a:p>
         </p:txBody>
@@ -4152,7 +4157,7 @@
             <a:pPr lvl="1"/>
             <a:r>
               <a:rPr lang="en-US" sz="3200" dirty="0"/>
-              <a:t>How does the rating of a type of lawyer compare to the sentiment of the text of the reviews for that type of lawyer?</a:t>
+              <a:t>Is the Yelp star rating and the compound sentiment of a Yelp review linear for each type of lawyer?</a:t>
             </a:r>
           </a:p>
         </p:txBody>
@@ -4772,7 +4777,7 @@
         </p:nvSpPr>
         <p:spPr>
           <a:xfrm>
-            <a:off x="261257" y="888274"/>
+            <a:off x="261257" y="431074"/>
             <a:ext cx="10681063" cy="1325562"/>
           </a:xfrm>
         </p:spPr>
@@ -4824,8 +4829,8 @@
         </p:blipFill>
         <p:spPr>
           <a:xfrm>
-            <a:off x="3725607" y="3075652"/>
-            <a:ext cx="3667637" cy="1857634"/>
+            <a:off x="979715" y="1565568"/>
+            <a:ext cx="9598068" cy="4861358"/>
           </a:xfrm>
         </p:spPr>
       </p:pic>
